--- a/docs/Lean UX, Macro-Micro, User Story MachineTech.pptx
+++ b/docs/Lean UX, Macro-Micro, User Story MachineTech.pptx
@@ -264,7 +264,7 @@
           <a:p>
             <a:fld id="{2089FD0C-CF96-4E35-B089-24FB14A6DB8E}" type="datetimeFigureOut">
               <a:rPr lang="pt-BR" smtClean="0"/>
-              <a:t>10/09/2020</a:t>
+              <a:t>11/09/2020</a:t>
             </a:fld>
             <a:endParaRPr lang="pt-BR"/>
           </a:p>
@@ -462,7 +462,7 @@
           <a:p>
             <a:fld id="{2089FD0C-CF96-4E35-B089-24FB14A6DB8E}" type="datetimeFigureOut">
               <a:rPr lang="pt-BR" smtClean="0"/>
-              <a:t>10/09/2020</a:t>
+              <a:t>11/09/2020</a:t>
             </a:fld>
             <a:endParaRPr lang="pt-BR"/>
           </a:p>
@@ -670,7 +670,7 @@
           <a:p>
             <a:fld id="{2089FD0C-CF96-4E35-B089-24FB14A6DB8E}" type="datetimeFigureOut">
               <a:rPr lang="pt-BR" smtClean="0"/>
-              <a:t>10/09/2020</a:t>
+              <a:t>11/09/2020</a:t>
             </a:fld>
             <a:endParaRPr lang="pt-BR"/>
           </a:p>
@@ -868,7 +868,7 @@
           <a:p>
             <a:fld id="{2089FD0C-CF96-4E35-B089-24FB14A6DB8E}" type="datetimeFigureOut">
               <a:rPr lang="pt-BR" smtClean="0"/>
-              <a:t>10/09/2020</a:t>
+              <a:t>11/09/2020</a:t>
             </a:fld>
             <a:endParaRPr lang="pt-BR"/>
           </a:p>
@@ -1143,7 +1143,7 @@
           <a:p>
             <a:fld id="{2089FD0C-CF96-4E35-B089-24FB14A6DB8E}" type="datetimeFigureOut">
               <a:rPr lang="pt-BR" smtClean="0"/>
-              <a:t>10/09/2020</a:t>
+              <a:t>11/09/2020</a:t>
             </a:fld>
             <a:endParaRPr lang="pt-BR"/>
           </a:p>
@@ -1408,7 +1408,7 @@
           <a:p>
             <a:fld id="{2089FD0C-CF96-4E35-B089-24FB14A6DB8E}" type="datetimeFigureOut">
               <a:rPr lang="pt-BR" smtClean="0"/>
-              <a:t>10/09/2020</a:t>
+              <a:t>11/09/2020</a:t>
             </a:fld>
             <a:endParaRPr lang="pt-BR"/>
           </a:p>
@@ -1820,7 +1820,7 @@
           <a:p>
             <a:fld id="{2089FD0C-CF96-4E35-B089-24FB14A6DB8E}" type="datetimeFigureOut">
               <a:rPr lang="pt-BR" smtClean="0"/>
-              <a:t>10/09/2020</a:t>
+              <a:t>11/09/2020</a:t>
             </a:fld>
             <a:endParaRPr lang="pt-BR"/>
           </a:p>
@@ -1961,7 +1961,7 @@
           <a:p>
             <a:fld id="{2089FD0C-CF96-4E35-B089-24FB14A6DB8E}" type="datetimeFigureOut">
               <a:rPr lang="pt-BR" smtClean="0"/>
-              <a:t>10/09/2020</a:t>
+              <a:t>11/09/2020</a:t>
             </a:fld>
             <a:endParaRPr lang="pt-BR"/>
           </a:p>
@@ -2074,7 +2074,7 @@
           <a:p>
             <a:fld id="{2089FD0C-CF96-4E35-B089-24FB14A6DB8E}" type="datetimeFigureOut">
               <a:rPr lang="pt-BR" smtClean="0"/>
-              <a:t>10/09/2020</a:t>
+              <a:t>11/09/2020</a:t>
             </a:fld>
             <a:endParaRPr lang="pt-BR"/>
           </a:p>
@@ -2385,7 +2385,7 @@
           <a:p>
             <a:fld id="{2089FD0C-CF96-4E35-B089-24FB14A6DB8E}" type="datetimeFigureOut">
               <a:rPr lang="pt-BR" smtClean="0"/>
-              <a:t>10/09/2020</a:t>
+              <a:t>11/09/2020</a:t>
             </a:fld>
             <a:endParaRPr lang="pt-BR"/>
           </a:p>
@@ -2673,7 +2673,7 @@
           <a:p>
             <a:fld id="{2089FD0C-CF96-4E35-B089-24FB14A6DB8E}" type="datetimeFigureOut">
               <a:rPr lang="pt-BR" smtClean="0"/>
-              <a:t>10/09/2020</a:t>
+              <a:t>11/09/2020</a:t>
             </a:fld>
             <a:endParaRPr lang="pt-BR"/>
           </a:p>
@@ -2914,7 +2914,7 @@
           <a:p>
             <a:fld id="{2089FD0C-CF96-4E35-B089-24FB14A6DB8E}" type="datetimeFigureOut">
               <a:rPr lang="pt-BR" smtClean="0"/>
-              <a:t>10/09/2020</a:t>
+              <a:t>11/09/2020</a:t>
             </a:fld>
             <a:endParaRPr lang="pt-BR"/>
           </a:p>
@@ -8414,6 +8414,9 @@
               <a:lumOff val="60000"/>
             </a:schemeClr>
           </a:solidFill>
+          <a:ln>
+            <a:noFill/>
+          </a:ln>
         </p:spPr>
         <p:style>
           <a:lnRef idx="2">
